--- a/Wprowadzenie do rekurencji 2/III. Wprowadzenie do rekurencji 3/Sortowanie Szybkie - implementacja.pptx
+++ b/Wprowadzenie do rekurencji 2/III. Wprowadzenie do rekurencji 3/Sortowanie Szybkie - implementacja.pptx
@@ -111,6 +111,11 @@
       </a:defRPr>
     </a:lvl9pPr>
   </p:defaultTextStyle>
+  <p:extLst>
+    <p:ext uri="{EFAFB233-063F-42B5-8137-9DF3F51BA10A}">
+      <p15:sldGuideLst xmlns:p15="http://schemas.microsoft.com/office/powerpoint/2012/main"/>
+    </p:ext>
+  </p:extLst>
 </p:presentation>
 </file>
 
@@ -3775,19 +3780,19 @@
           <a:p>
             <a:r>
               <a:rPr lang="pl-PL" dirty="0"/>
-              <a:t>Jeżeli w podanym zakresie znajduje się tylko jeden element, jest on już posortowany z założenia</a:t>
+              <a:t>Jeżeli w podanym zakresie znajduje się tylko jeden element, jest on już posortowany z założenia (p == k)</a:t>
             </a:r>
           </a:p>
           <a:p>
             <a:r>
               <a:rPr lang="pl-PL" dirty="0"/>
-              <a:t>Jeżeli koniec zakresu znajduje się przed początkiem, zakres sortowania jest pusty</a:t>
+              <a:t>Jeżeli koniec zakresu znajduje się przed początkiem, zakres sortowania jest pusty (p &gt; k)</a:t>
             </a:r>
           </a:p>
           <a:p>
             <a:r>
               <a:rPr lang="pl-PL" dirty="0"/>
-              <a:t>Warunek: </a:t>
+              <a:t>Ogólny warunek: </a:t>
             </a:r>
             <a:r>
               <a:rPr lang="pl-PL" dirty="0">
@@ -3893,7 +3898,7 @@
             </a:r>
             <a:r>
               <a:rPr lang="pl-PL" dirty="0"/>
-              <a:t> wartość środkową z sortowanego zakresu</a:t>
+              <a:t> wartość środkowego elementu z sortowanego zakresu</a:t>
             </a:r>
           </a:p>
           <a:p>
